--- a/apuntes/4SpotifyAPI.pptx
+++ b/apuntes/4SpotifyAPI.pptx
@@ -13,6 +13,16 @@
     <p:sldId id="261" r:id="rId7"/>
     <p:sldId id="262" r:id="rId8"/>
     <p:sldId id="263" r:id="rId9"/>
+    <p:sldId id="264" r:id="rId10"/>
+    <p:sldId id="265" r:id="rId11"/>
+    <p:sldId id="266" r:id="rId12"/>
+    <p:sldId id="267" r:id="rId13"/>
+    <p:sldId id="268" r:id="rId14"/>
+    <p:sldId id="269" r:id="rId15"/>
+    <p:sldId id="270" r:id="rId16"/>
+    <p:sldId id="271" r:id="rId17"/>
+    <p:sldId id="272" r:id="rId18"/>
+    <p:sldId id="273" r:id="rId19"/>
   </p:sldIdLst>
   <p:sldSz cx="9144000" cy="6858000" type="screen4x3"/>
   <p:notesSz cx="6858000" cy="9144000"/>
@@ -296,7 +306,7 @@
             <a:fld id="{7A847CFC-816F-41D0-AAC0-9BF4FEBC753E}" type="datetimeFigureOut">
               <a:rPr lang="es-ES" smtClean="0"/>
               <a:pPr/>
-              <a:t>28/10/2019</a:t>
+              <a:t>29/10/2019</a:t>
             </a:fld>
             <a:endParaRPr lang="es-ES"/>
           </a:p>
@@ -463,7 +473,7 @@
             <a:fld id="{7A847CFC-816F-41D0-AAC0-9BF4FEBC753E}" type="datetimeFigureOut">
               <a:rPr lang="es-ES" smtClean="0"/>
               <a:pPr/>
-              <a:t>28/10/2019</a:t>
+              <a:t>29/10/2019</a:t>
             </a:fld>
             <a:endParaRPr lang="es-ES"/>
           </a:p>
@@ -640,7 +650,7 @@
             <a:fld id="{7A847CFC-816F-41D0-AAC0-9BF4FEBC753E}" type="datetimeFigureOut">
               <a:rPr lang="es-ES" smtClean="0"/>
               <a:pPr/>
-              <a:t>28/10/2019</a:t>
+              <a:t>29/10/2019</a:t>
             </a:fld>
             <a:endParaRPr lang="es-ES"/>
           </a:p>
@@ -807,7 +817,7 @@
             <a:fld id="{7A847CFC-816F-41D0-AAC0-9BF4FEBC753E}" type="datetimeFigureOut">
               <a:rPr lang="es-ES" smtClean="0"/>
               <a:pPr/>
-              <a:t>28/10/2019</a:t>
+              <a:t>29/10/2019</a:t>
             </a:fld>
             <a:endParaRPr lang="es-ES"/>
           </a:p>
@@ -1050,7 +1060,7 @@
             <a:fld id="{7A847CFC-816F-41D0-AAC0-9BF4FEBC753E}" type="datetimeFigureOut">
               <a:rPr lang="es-ES" smtClean="0"/>
               <a:pPr/>
-              <a:t>28/10/2019</a:t>
+              <a:t>29/10/2019</a:t>
             </a:fld>
             <a:endParaRPr lang="es-ES"/>
           </a:p>
@@ -1335,7 +1345,7 @@
             <a:fld id="{7A847CFC-816F-41D0-AAC0-9BF4FEBC753E}" type="datetimeFigureOut">
               <a:rPr lang="es-ES" smtClean="0"/>
               <a:pPr/>
-              <a:t>28/10/2019</a:t>
+              <a:t>29/10/2019</a:t>
             </a:fld>
             <a:endParaRPr lang="es-ES"/>
           </a:p>
@@ -1754,7 +1764,7 @@
             <a:fld id="{7A847CFC-816F-41D0-AAC0-9BF4FEBC753E}" type="datetimeFigureOut">
               <a:rPr lang="es-ES" smtClean="0"/>
               <a:pPr/>
-              <a:t>28/10/2019</a:t>
+              <a:t>29/10/2019</a:t>
             </a:fld>
             <a:endParaRPr lang="es-ES"/>
           </a:p>
@@ -1869,7 +1879,7 @@
             <a:fld id="{7A847CFC-816F-41D0-AAC0-9BF4FEBC753E}" type="datetimeFigureOut">
               <a:rPr lang="es-ES" smtClean="0"/>
               <a:pPr/>
-              <a:t>28/10/2019</a:t>
+              <a:t>29/10/2019</a:t>
             </a:fld>
             <a:endParaRPr lang="es-ES"/>
           </a:p>
@@ -1961,7 +1971,7 @@
             <a:fld id="{7A847CFC-816F-41D0-AAC0-9BF4FEBC753E}" type="datetimeFigureOut">
               <a:rPr lang="es-ES" smtClean="0"/>
               <a:pPr/>
-              <a:t>28/10/2019</a:t>
+              <a:t>29/10/2019</a:t>
             </a:fld>
             <a:endParaRPr lang="es-ES"/>
           </a:p>
@@ -2235,7 +2245,7 @@
             <a:fld id="{7A847CFC-816F-41D0-AAC0-9BF4FEBC753E}" type="datetimeFigureOut">
               <a:rPr lang="es-ES" smtClean="0"/>
               <a:pPr/>
-              <a:t>28/10/2019</a:t>
+              <a:t>29/10/2019</a:t>
             </a:fld>
             <a:endParaRPr lang="es-ES"/>
           </a:p>
@@ -2485,7 +2495,7 @@
             <a:fld id="{7A847CFC-816F-41D0-AAC0-9BF4FEBC753E}" type="datetimeFigureOut">
               <a:rPr lang="es-ES" smtClean="0"/>
               <a:pPr/>
-              <a:t>28/10/2019</a:t>
+              <a:t>29/10/2019</a:t>
             </a:fld>
             <a:endParaRPr lang="es-ES"/>
           </a:p>
@@ -2695,7 +2705,7 @@
             <a:fld id="{7A847CFC-816F-41D0-AAC0-9BF4FEBC753E}" type="datetimeFigureOut">
               <a:rPr lang="es-ES" smtClean="0"/>
               <a:pPr/>
-              <a:t>28/10/2019</a:t>
+              <a:t>29/10/2019</a:t>
             </a:fld>
             <a:endParaRPr lang="es-ES"/>
           </a:p>
@@ -3128,6 +3138,904 @@
 </p:sld>
 </file>
 
+<file path=ppt/slides/slide10.xml><?xml version="1.0" encoding="utf-8"?>
+<p:sld xmlns:a="http://schemas.openxmlformats.org/drawingml/2006/main" xmlns:r="http://schemas.openxmlformats.org/officeDocument/2006/relationships" xmlns:p="http://schemas.openxmlformats.org/presentationml/2006/main">
+  <p:cSld>
+    <p:spTree>
+      <p:nvGrpSpPr>
+        <p:cNvPr id="1" name=""/>
+        <p:cNvGrpSpPr/>
+        <p:nvPr/>
+      </p:nvGrpSpPr>
+      <p:grpSpPr>
+        <a:xfrm>
+          <a:off x="0" y="0"/>
+          <a:ext cx="0" cy="0"/>
+          <a:chOff x="0" y="0"/>
+          <a:chExt cx="0" cy="0"/>
+        </a:xfrm>
+      </p:grpSpPr>
+      <p:sp>
+        <p:nvSpPr>
+          <p:cNvPr id="2" name="1 Título"/>
+          <p:cNvSpPr>
+            <a:spLocks noGrp="1"/>
+          </p:cNvSpPr>
+          <p:nvPr>
+            <p:ph type="title"/>
+          </p:nvPr>
+        </p:nvSpPr>
+        <p:spPr/>
+        <p:txBody>
+          <a:bodyPr/>
+          <a:lstStyle/>
+          <a:p>
+            <a:r>
+              <a:rPr lang="es-GT" dirty="0" err="1" smtClean="0"/>
+              <a:t>Maps</a:t>
+            </a:r>
+            <a:r>
+              <a:rPr lang="es-GT" dirty="0" smtClean="0"/>
+              <a:t> en observables</a:t>
+            </a:r>
+            <a:endParaRPr lang="es-ES" dirty="0"/>
+          </a:p>
+        </p:txBody>
+      </p:sp>
+      <p:sp>
+        <p:nvSpPr>
+          <p:cNvPr id="3" name="2 Marcador de contenido"/>
+          <p:cNvSpPr>
+            <a:spLocks noGrp="1"/>
+          </p:cNvSpPr>
+          <p:nvPr>
+            <p:ph idx="1"/>
+          </p:nvPr>
+        </p:nvSpPr>
+        <p:spPr>
+          <a:xfrm>
+            <a:off x="457200" y="1268760"/>
+            <a:ext cx="8229600" cy="4857403"/>
+          </a:xfrm>
+        </p:spPr>
+        <p:txBody>
+          <a:bodyPr>
+            <a:normAutofit/>
+          </a:bodyPr>
+          <a:lstStyle/>
+          <a:p>
+            <a:pPr>
+              <a:buNone/>
+            </a:pPr>
+            <a:r>
+              <a:rPr lang="es-GT" sz="1800" dirty="0" smtClean="0"/>
+              <a:t>Para filtrar la respuesta de la api dejando solo las propiedades que interesan.</a:t>
+            </a:r>
+            <a:endParaRPr lang="es-ES" sz="1800" dirty="0"/>
+          </a:p>
+        </p:txBody>
+      </p:sp>
+      <p:pic>
+        <p:nvPicPr>
+          <p:cNvPr id="2050" name="Picture 2"/>
+          <p:cNvPicPr>
+            <a:picLocks noChangeAspect="1" noChangeArrowheads="1"/>
+          </p:cNvPicPr>
+          <p:nvPr/>
+        </p:nvPicPr>
+        <p:blipFill>
+          <a:blip r:embed="rId2" cstate="print"/>
+          <a:srcRect/>
+          <a:stretch>
+            <a:fillRect/>
+          </a:stretch>
+        </p:blipFill>
+        <p:spPr bwMode="auto">
+          <a:xfrm>
+            <a:off x="540965" y="1700808"/>
+            <a:ext cx="7991475" cy="5048250"/>
+          </a:xfrm>
+          <a:prstGeom prst="rect">
+            <a:avLst/>
+          </a:prstGeom>
+          <a:noFill/>
+          <a:ln w="9525">
+            <a:noFill/>
+            <a:miter lim="800000"/>
+            <a:headEnd/>
+            <a:tailEnd/>
+          </a:ln>
+        </p:spPr>
+      </p:pic>
+    </p:spTree>
+  </p:cSld>
+  <p:clrMapOvr>
+    <a:masterClrMapping/>
+  </p:clrMapOvr>
+</p:sld>
+</file>
+
+<file path=ppt/slides/slide11.xml><?xml version="1.0" encoding="utf-8"?>
+<p:sld xmlns:a="http://schemas.openxmlformats.org/drawingml/2006/main" xmlns:r="http://schemas.openxmlformats.org/officeDocument/2006/relationships" xmlns:p="http://schemas.openxmlformats.org/presentationml/2006/main">
+  <p:cSld>
+    <p:spTree>
+      <p:nvGrpSpPr>
+        <p:cNvPr id="1" name=""/>
+        <p:cNvGrpSpPr/>
+        <p:nvPr/>
+      </p:nvGrpSpPr>
+      <p:grpSpPr>
+        <a:xfrm>
+          <a:off x="0" y="0"/>
+          <a:ext cx="0" cy="0"/>
+          <a:chOff x="0" y="0"/>
+          <a:chExt cx="0" cy="0"/>
+        </a:xfrm>
+      </p:grpSpPr>
+      <p:sp>
+        <p:nvSpPr>
+          <p:cNvPr id="2" name="1 Título"/>
+          <p:cNvSpPr>
+            <a:spLocks noGrp="1"/>
+          </p:cNvSpPr>
+          <p:nvPr>
+            <p:ph type="title"/>
+          </p:nvPr>
+        </p:nvSpPr>
+        <p:spPr/>
+        <p:txBody>
+          <a:bodyPr/>
+          <a:lstStyle/>
+          <a:p>
+            <a:r>
+              <a:rPr lang="es-GT" dirty="0" smtClean="0"/>
+              <a:t>Pipe </a:t>
+            </a:r>
+            <a:r>
+              <a:rPr lang="es-GT" dirty="0" err="1" smtClean="0"/>
+              <a:t>noimage</a:t>
+            </a:r>
+            <a:endParaRPr lang="es-ES" dirty="0"/>
+          </a:p>
+        </p:txBody>
+      </p:sp>
+      <p:pic>
+        <p:nvPicPr>
+          <p:cNvPr id="3074" name="Picture 2"/>
+          <p:cNvPicPr>
+            <a:picLocks noGrp="1" noChangeAspect="1" noChangeArrowheads="1"/>
+          </p:cNvPicPr>
+          <p:nvPr>
+            <p:ph idx="1"/>
+          </p:nvPr>
+        </p:nvPicPr>
+        <p:blipFill>
+          <a:blip r:embed="rId2" cstate="print"/>
+          <a:srcRect/>
+          <a:stretch>
+            <a:fillRect/>
+          </a:stretch>
+        </p:blipFill>
+        <p:spPr bwMode="auto">
+          <a:xfrm>
+            <a:off x="1835696" y="1556792"/>
+            <a:ext cx="5781675" cy="685800"/>
+          </a:xfrm>
+          <a:prstGeom prst="rect">
+            <a:avLst/>
+          </a:prstGeom>
+          <a:noFill/>
+          <a:ln w="9525">
+            <a:noFill/>
+            <a:miter lim="800000"/>
+            <a:headEnd/>
+            <a:tailEnd/>
+          </a:ln>
+        </p:spPr>
+      </p:pic>
+      <p:pic>
+        <p:nvPicPr>
+          <p:cNvPr id="3075" name="Picture 3"/>
+          <p:cNvPicPr>
+            <a:picLocks noChangeAspect="1" noChangeArrowheads="1"/>
+          </p:cNvPicPr>
+          <p:nvPr/>
+        </p:nvPicPr>
+        <p:blipFill>
+          <a:blip r:embed="rId3" cstate="print"/>
+          <a:srcRect/>
+          <a:stretch>
+            <a:fillRect/>
+          </a:stretch>
+        </p:blipFill>
+        <p:spPr bwMode="auto">
+          <a:xfrm>
+            <a:off x="2411760" y="2492896"/>
+            <a:ext cx="4562475" cy="3752850"/>
+          </a:xfrm>
+          <a:prstGeom prst="rect">
+            <a:avLst/>
+          </a:prstGeom>
+          <a:noFill/>
+          <a:ln w="9525">
+            <a:noFill/>
+            <a:miter lim="800000"/>
+            <a:headEnd/>
+            <a:tailEnd/>
+          </a:ln>
+        </p:spPr>
+      </p:pic>
+    </p:spTree>
+  </p:cSld>
+  <p:clrMapOvr>
+    <a:masterClrMapping/>
+  </p:clrMapOvr>
+</p:sld>
+</file>
+
+<file path=ppt/slides/slide12.xml><?xml version="1.0" encoding="utf-8"?>
+<p:sld xmlns:a="http://schemas.openxmlformats.org/drawingml/2006/main" xmlns:r="http://schemas.openxmlformats.org/officeDocument/2006/relationships" xmlns:p="http://schemas.openxmlformats.org/presentationml/2006/main">
+  <p:cSld>
+    <p:spTree>
+      <p:nvGrpSpPr>
+        <p:cNvPr id="1" name=""/>
+        <p:cNvGrpSpPr/>
+        <p:nvPr/>
+      </p:nvGrpSpPr>
+      <p:grpSpPr>
+        <a:xfrm>
+          <a:off x="0" y="0"/>
+          <a:ext cx="0" cy="0"/>
+          <a:chOff x="0" y="0"/>
+          <a:chExt cx="0" cy="0"/>
+        </a:xfrm>
+      </p:grpSpPr>
+      <p:sp>
+        <p:nvSpPr>
+          <p:cNvPr id="2" name="1 Título"/>
+          <p:cNvSpPr>
+            <a:spLocks noGrp="1"/>
+          </p:cNvSpPr>
+          <p:nvPr>
+            <p:ph type="title"/>
+          </p:nvPr>
+        </p:nvSpPr>
+        <p:spPr/>
+        <p:txBody>
+          <a:bodyPr/>
+          <a:lstStyle/>
+          <a:p>
+            <a:endParaRPr lang="es-ES"/>
+          </a:p>
+        </p:txBody>
+      </p:sp>
+      <p:pic>
+        <p:nvPicPr>
+          <p:cNvPr id="4098" name="Picture 2"/>
+          <p:cNvPicPr>
+            <a:picLocks noGrp="1" noChangeAspect="1" noChangeArrowheads="1"/>
+          </p:cNvPicPr>
+          <p:nvPr>
+            <p:ph idx="1"/>
+          </p:nvPr>
+        </p:nvPicPr>
+        <p:blipFill>
+          <a:blip r:embed="rId2" cstate="print"/>
+          <a:srcRect/>
+          <a:stretch>
+            <a:fillRect/>
+          </a:stretch>
+        </p:blipFill>
+        <p:spPr bwMode="auto">
+          <a:xfrm>
+            <a:off x="1304925" y="2110581"/>
+            <a:ext cx="6534150" cy="3505200"/>
+          </a:xfrm>
+          <a:prstGeom prst="rect">
+            <a:avLst/>
+          </a:prstGeom>
+          <a:noFill/>
+          <a:ln w="9525">
+            <a:noFill/>
+            <a:miter lim="800000"/>
+            <a:headEnd/>
+            <a:tailEnd/>
+          </a:ln>
+        </p:spPr>
+      </p:pic>
+    </p:spTree>
+  </p:cSld>
+  <p:clrMapOvr>
+    <a:masterClrMapping/>
+  </p:clrMapOvr>
+</p:sld>
+</file>
+
+<file path=ppt/slides/slide13.xml><?xml version="1.0" encoding="utf-8"?>
+<p:sld xmlns:a="http://schemas.openxmlformats.org/drawingml/2006/main" xmlns:r="http://schemas.openxmlformats.org/officeDocument/2006/relationships" xmlns:p="http://schemas.openxmlformats.org/presentationml/2006/main">
+  <p:cSld>
+    <p:spTree>
+      <p:nvGrpSpPr>
+        <p:cNvPr id="1" name=""/>
+        <p:cNvGrpSpPr/>
+        <p:nvPr/>
+      </p:nvGrpSpPr>
+      <p:grpSpPr>
+        <a:xfrm>
+          <a:off x="0" y="0"/>
+          <a:ext cx="0" cy="0"/>
+          <a:chOff x="0" y="0"/>
+          <a:chExt cx="0" cy="0"/>
+        </a:xfrm>
+      </p:grpSpPr>
+      <p:sp>
+        <p:nvSpPr>
+          <p:cNvPr id="2" name="1 Título"/>
+          <p:cNvSpPr>
+            <a:spLocks noGrp="1"/>
+          </p:cNvSpPr>
+          <p:nvPr>
+            <p:ph type="title"/>
+          </p:nvPr>
+        </p:nvSpPr>
+        <p:spPr/>
+        <p:txBody>
+          <a:bodyPr/>
+          <a:lstStyle/>
+          <a:p>
+            <a:r>
+              <a:rPr lang="es-GT" dirty="0" err="1" smtClean="0"/>
+              <a:t>Loading</a:t>
+            </a:r>
+            <a:r>
+              <a:rPr lang="es-GT" dirty="0" smtClean="0"/>
+              <a:t> </a:t>
+            </a:r>
+            <a:r>
+              <a:rPr lang="es-GT" dirty="0" err="1" smtClean="0"/>
+              <a:t>component</a:t>
+            </a:r>
+            <a:endParaRPr lang="es-ES" dirty="0"/>
+          </a:p>
+        </p:txBody>
+      </p:sp>
+      <p:pic>
+        <p:nvPicPr>
+          <p:cNvPr id="5122" name="Picture 2"/>
+          <p:cNvPicPr>
+            <a:picLocks noGrp="1" noChangeAspect="1" noChangeArrowheads="1"/>
+          </p:cNvPicPr>
+          <p:nvPr>
+            <p:ph idx="1"/>
+          </p:nvPr>
+        </p:nvPicPr>
+        <p:blipFill>
+          <a:blip r:embed="rId2" cstate="print"/>
+          <a:srcRect/>
+          <a:stretch>
+            <a:fillRect/>
+          </a:stretch>
+        </p:blipFill>
+        <p:spPr bwMode="auto">
+          <a:xfrm>
+            <a:off x="1115616" y="2132856"/>
+            <a:ext cx="6677025" cy="676275"/>
+          </a:xfrm>
+          <a:prstGeom prst="rect">
+            <a:avLst/>
+          </a:prstGeom>
+          <a:noFill/>
+          <a:ln w="9525">
+            <a:noFill/>
+            <a:miter lim="800000"/>
+            <a:headEnd/>
+            <a:tailEnd/>
+          </a:ln>
+        </p:spPr>
+      </p:pic>
+      <p:pic>
+        <p:nvPicPr>
+          <p:cNvPr id="5123" name="Picture 3"/>
+          <p:cNvPicPr>
+            <a:picLocks noChangeAspect="1" noChangeArrowheads="1"/>
+          </p:cNvPicPr>
+          <p:nvPr/>
+        </p:nvPicPr>
+        <p:blipFill>
+          <a:blip r:embed="rId3" cstate="print"/>
+          <a:srcRect/>
+          <a:stretch>
+            <a:fillRect/>
+          </a:stretch>
+        </p:blipFill>
+        <p:spPr bwMode="auto">
+          <a:xfrm>
+            <a:off x="2411760" y="4221088"/>
+            <a:ext cx="4476750" cy="1476375"/>
+          </a:xfrm>
+          <a:prstGeom prst="rect">
+            <a:avLst/>
+          </a:prstGeom>
+          <a:noFill/>
+          <a:ln w="9525">
+            <a:noFill/>
+            <a:miter lim="800000"/>
+            <a:headEnd/>
+            <a:tailEnd/>
+          </a:ln>
+        </p:spPr>
+      </p:pic>
+    </p:spTree>
+  </p:cSld>
+  <p:clrMapOvr>
+    <a:masterClrMapping/>
+  </p:clrMapOvr>
+</p:sld>
+</file>
+
+<file path=ppt/slides/slide14.xml><?xml version="1.0" encoding="utf-8"?>
+<p:sld xmlns:a="http://schemas.openxmlformats.org/drawingml/2006/main" xmlns:r="http://schemas.openxmlformats.org/officeDocument/2006/relationships" xmlns:p="http://schemas.openxmlformats.org/presentationml/2006/main">
+  <p:cSld>
+    <p:spTree>
+      <p:nvGrpSpPr>
+        <p:cNvPr id="1" name=""/>
+        <p:cNvGrpSpPr/>
+        <p:nvPr/>
+      </p:nvGrpSpPr>
+      <p:grpSpPr>
+        <a:xfrm>
+          <a:off x="0" y="0"/>
+          <a:ext cx="0" cy="0"/>
+          <a:chOff x="0" y="0"/>
+          <a:chExt cx="0" cy="0"/>
+        </a:xfrm>
+      </p:grpSpPr>
+      <p:sp>
+        <p:nvSpPr>
+          <p:cNvPr id="2" name="1 Título"/>
+          <p:cNvSpPr>
+            <a:spLocks noGrp="1"/>
+          </p:cNvSpPr>
+          <p:nvPr>
+            <p:ph type="title"/>
+          </p:nvPr>
+        </p:nvSpPr>
+        <p:spPr/>
+        <p:txBody>
+          <a:bodyPr/>
+          <a:lstStyle/>
+          <a:p>
+            <a:endParaRPr lang="es-ES"/>
+          </a:p>
+        </p:txBody>
+      </p:sp>
+      <p:pic>
+        <p:nvPicPr>
+          <p:cNvPr id="4" name="Picture 4"/>
+          <p:cNvPicPr>
+            <a:picLocks noGrp="1" noChangeAspect="1" noChangeArrowheads="1"/>
+          </p:cNvPicPr>
+          <p:nvPr>
+            <p:ph idx="1"/>
+          </p:nvPr>
+        </p:nvPicPr>
+        <p:blipFill>
+          <a:blip r:embed="rId2" cstate="print"/>
+          <a:srcRect/>
+          <a:stretch>
+            <a:fillRect/>
+          </a:stretch>
+        </p:blipFill>
+        <p:spPr bwMode="auto">
+          <a:xfrm>
+            <a:off x="1835696" y="764704"/>
+            <a:ext cx="5372100" cy="4419600"/>
+          </a:xfrm>
+          <a:prstGeom prst="rect">
+            <a:avLst/>
+          </a:prstGeom>
+          <a:noFill/>
+          <a:ln w="9525">
+            <a:noFill/>
+            <a:miter lim="800000"/>
+            <a:headEnd/>
+            <a:tailEnd/>
+          </a:ln>
+        </p:spPr>
+      </p:pic>
+      <p:pic>
+        <p:nvPicPr>
+          <p:cNvPr id="6146" name="Picture 2"/>
+          <p:cNvPicPr>
+            <a:picLocks noChangeAspect="1" noChangeArrowheads="1"/>
+          </p:cNvPicPr>
+          <p:nvPr/>
+        </p:nvPicPr>
+        <p:blipFill>
+          <a:blip r:embed="rId3" cstate="print"/>
+          <a:srcRect/>
+          <a:stretch>
+            <a:fillRect/>
+          </a:stretch>
+        </p:blipFill>
+        <p:spPr bwMode="auto">
+          <a:xfrm>
+            <a:off x="1547664" y="5445224"/>
+            <a:ext cx="5991225" cy="1190625"/>
+          </a:xfrm>
+          <a:prstGeom prst="rect">
+            <a:avLst/>
+          </a:prstGeom>
+          <a:noFill/>
+          <a:ln w="9525">
+            <a:noFill/>
+            <a:miter lim="800000"/>
+            <a:headEnd/>
+            <a:tailEnd/>
+          </a:ln>
+        </p:spPr>
+      </p:pic>
+    </p:spTree>
+  </p:cSld>
+  <p:clrMapOvr>
+    <a:masterClrMapping/>
+  </p:clrMapOvr>
+</p:sld>
+</file>
+
+<file path=ppt/slides/slide15.xml><?xml version="1.0" encoding="utf-8"?>
+<p:sld xmlns:a="http://schemas.openxmlformats.org/drawingml/2006/main" xmlns:r="http://schemas.openxmlformats.org/officeDocument/2006/relationships" xmlns:p="http://schemas.openxmlformats.org/presentationml/2006/main">
+  <p:cSld>
+    <p:spTree>
+      <p:nvGrpSpPr>
+        <p:cNvPr id="1" name=""/>
+        <p:cNvGrpSpPr/>
+        <p:nvPr/>
+      </p:nvGrpSpPr>
+      <p:grpSpPr>
+        <a:xfrm>
+          <a:off x="0" y="0"/>
+          <a:ext cx="0" cy="0"/>
+          <a:chOff x="0" y="0"/>
+          <a:chExt cx="0" cy="0"/>
+        </a:xfrm>
+      </p:grpSpPr>
+      <p:sp>
+        <p:nvSpPr>
+          <p:cNvPr id="2" name="1 Título"/>
+          <p:cNvSpPr>
+            <a:spLocks noGrp="1"/>
+          </p:cNvSpPr>
+          <p:nvPr>
+            <p:ph type="title"/>
+          </p:nvPr>
+        </p:nvSpPr>
+        <p:spPr/>
+        <p:txBody>
+          <a:bodyPr/>
+          <a:lstStyle/>
+          <a:p>
+            <a:r>
+              <a:rPr lang="es-GT" dirty="0" err="1" smtClean="0"/>
+              <a:t>Widget</a:t>
+            </a:r>
+            <a:endParaRPr lang="es-ES" dirty="0"/>
+          </a:p>
+        </p:txBody>
+      </p:sp>
+      <p:sp>
+        <p:nvSpPr>
+          <p:cNvPr id="4" name="3 Rectángulo"/>
+          <p:cNvSpPr/>
+          <p:nvPr/>
+        </p:nvSpPr>
+        <p:spPr>
+          <a:xfrm>
+            <a:off x="467544" y="6309320"/>
+            <a:ext cx="8064896" cy="369332"/>
+          </a:xfrm>
+          <a:prstGeom prst="rect">
+            <a:avLst/>
+          </a:prstGeom>
+        </p:spPr>
+        <p:txBody>
+          <a:bodyPr wrap="square">
+            <a:spAutoFit/>
+          </a:bodyPr>
+          <a:lstStyle/>
+          <a:p>
+            <a:r>
+              <a:rPr lang="es-ES" dirty="0" smtClean="0">
+                <a:hlinkClick r:id="rId2"/>
+              </a:rPr>
+              <a:t>https://developer.spotify.com/documentation/widgets/generate/play-button/</a:t>
+            </a:r>
+            <a:endParaRPr lang="es-ES" dirty="0"/>
+          </a:p>
+        </p:txBody>
+      </p:sp>
+      <p:pic>
+        <p:nvPicPr>
+          <p:cNvPr id="1026" name="Picture 2"/>
+          <p:cNvPicPr>
+            <a:picLocks noGrp="1" noChangeAspect="1" noChangeArrowheads="1"/>
+          </p:cNvPicPr>
+          <p:nvPr>
+            <p:ph idx="1"/>
+          </p:nvPr>
+        </p:nvPicPr>
+        <p:blipFill>
+          <a:blip r:embed="rId3" cstate="print"/>
+          <a:srcRect/>
+          <a:stretch>
+            <a:fillRect/>
+          </a:stretch>
+        </p:blipFill>
+        <p:spPr bwMode="auto">
+          <a:xfrm>
+            <a:off x="805184" y="1600200"/>
+            <a:ext cx="7533632" cy="4525963"/>
+          </a:xfrm>
+          <a:prstGeom prst="rect">
+            <a:avLst/>
+          </a:prstGeom>
+          <a:noFill/>
+          <a:ln w="9525">
+            <a:noFill/>
+            <a:miter lim="800000"/>
+            <a:headEnd/>
+            <a:tailEnd/>
+          </a:ln>
+        </p:spPr>
+      </p:pic>
+    </p:spTree>
+  </p:cSld>
+  <p:clrMapOvr>
+    <a:masterClrMapping/>
+  </p:clrMapOvr>
+</p:sld>
+</file>
+
+<file path=ppt/slides/slide16.xml><?xml version="1.0" encoding="utf-8"?>
+<p:sld xmlns:a="http://schemas.openxmlformats.org/drawingml/2006/main" xmlns:r="http://schemas.openxmlformats.org/officeDocument/2006/relationships" xmlns:p="http://schemas.openxmlformats.org/presentationml/2006/main">
+  <p:cSld>
+    <p:spTree>
+      <p:nvGrpSpPr>
+        <p:cNvPr id="1" name=""/>
+        <p:cNvGrpSpPr/>
+        <p:nvPr/>
+      </p:nvGrpSpPr>
+      <p:grpSpPr>
+        <a:xfrm>
+          <a:off x="0" y="0"/>
+          <a:ext cx="0" cy="0"/>
+          <a:chOff x="0" y="0"/>
+          <a:chExt cx="0" cy="0"/>
+        </a:xfrm>
+      </p:grpSpPr>
+      <p:sp>
+        <p:nvSpPr>
+          <p:cNvPr id="2" name="1 Título"/>
+          <p:cNvSpPr>
+            <a:spLocks noGrp="1"/>
+          </p:cNvSpPr>
+          <p:nvPr>
+            <p:ph type="title"/>
+          </p:nvPr>
+        </p:nvSpPr>
+        <p:spPr/>
+        <p:txBody>
+          <a:bodyPr/>
+          <a:lstStyle/>
+          <a:p>
+            <a:endParaRPr lang="es-ES"/>
+          </a:p>
+        </p:txBody>
+      </p:sp>
+      <p:pic>
+        <p:nvPicPr>
+          <p:cNvPr id="2050" name="Picture 2"/>
+          <p:cNvPicPr>
+            <a:picLocks noGrp="1" noChangeAspect="1" noChangeArrowheads="1"/>
+          </p:cNvPicPr>
+          <p:nvPr>
+            <p:ph idx="1"/>
+          </p:nvPr>
+        </p:nvPicPr>
+        <p:blipFill>
+          <a:blip r:embed="rId2" cstate="print"/>
+          <a:srcRect/>
+          <a:stretch>
+            <a:fillRect/>
+          </a:stretch>
+        </p:blipFill>
+        <p:spPr bwMode="auto">
+          <a:xfrm>
+            <a:off x="876300" y="2739231"/>
+            <a:ext cx="7391400" cy="2247900"/>
+          </a:xfrm>
+          <a:prstGeom prst="rect">
+            <a:avLst/>
+          </a:prstGeom>
+          <a:noFill/>
+          <a:ln w="9525">
+            <a:noFill/>
+            <a:miter lim="800000"/>
+            <a:headEnd/>
+            <a:tailEnd/>
+          </a:ln>
+        </p:spPr>
+      </p:pic>
+    </p:spTree>
+  </p:cSld>
+  <p:clrMapOvr>
+    <a:masterClrMapping/>
+  </p:clrMapOvr>
+</p:sld>
+</file>
+
+<file path=ppt/slides/slide17.xml><?xml version="1.0" encoding="utf-8"?>
+<p:sld xmlns:a="http://schemas.openxmlformats.org/drawingml/2006/main" xmlns:r="http://schemas.openxmlformats.org/officeDocument/2006/relationships" xmlns:p="http://schemas.openxmlformats.org/presentationml/2006/main">
+  <p:cSld>
+    <p:spTree>
+      <p:nvGrpSpPr>
+        <p:cNvPr id="1" name=""/>
+        <p:cNvGrpSpPr/>
+        <p:nvPr/>
+      </p:nvGrpSpPr>
+      <p:grpSpPr>
+        <a:xfrm>
+          <a:off x="0" y="0"/>
+          <a:ext cx="0" cy="0"/>
+          <a:chOff x="0" y="0"/>
+          <a:chExt cx="0" cy="0"/>
+        </a:xfrm>
+      </p:grpSpPr>
+      <p:sp>
+        <p:nvSpPr>
+          <p:cNvPr id="2" name="1 Título"/>
+          <p:cNvSpPr>
+            <a:spLocks noGrp="1"/>
+          </p:cNvSpPr>
+          <p:nvPr>
+            <p:ph type="title"/>
+          </p:nvPr>
+        </p:nvSpPr>
+        <p:spPr/>
+        <p:txBody>
+          <a:bodyPr>
+            <a:normAutofit fontScale="90000"/>
+          </a:bodyPr>
+          <a:lstStyle/>
+          <a:p>
+            <a:r>
+              <a:rPr lang="es-GT" dirty="0" smtClean="0"/>
+              <a:t>Manejo de errores con un Observable</a:t>
+            </a:r>
+            <a:endParaRPr lang="es-ES" dirty="0"/>
+          </a:p>
+        </p:txBody>
+      </p:sp>
+      <p:pic>
+        <p:nvPicPr>
+          <p:cNvPr id="3074" name="Picture 2"/>
+          <p:cNvPicPr>
+            <a:picLocks noGrp="1" noChangeAspect="1" noChangeArrowheads="1"/>
+          </p:cNvPicPr>
+          <p:nvPr>
+            <p:ph idx="1"/>
+          </p:nvPr>
+        </p:nvPicPr>
+        <p:blipFill>
+          <a:blip r:embed="rId2" cstate="print"/>
+          <a:srcRect/>
+          <a:stretch>
+            <a:fillRect/>
+          </a:stretch>
+        </p:blipFill>
+        <p:spPr bwMode="auto">
+          <a:xfrm>
+            <a:off x="614362" y="1991519"/>
+            <a:ext cx="7915275" cy="3743325"/>
+          </a:xfrm>
+          <a:prstGeom prst="rect">
+            <a:avLst/>
+          </a:prstGeom>
+          <a:noFill/>
+          <a:ln w="9525">
+            <a:noFill/>
+            <a:miter lim="800000"/>
+            <a:headEnd/>
+            <a:tailEnd/>
+          </a:ln>
+        </p:spPr>
+      </p:pic>
+    </p:spTree>
+  </p:cSld>
+  <p:clrMapOvr>
+    <a:masterClrMapping/>
+  </p:clrMapOvr>
+</p:sld>
+</file>
+
+<file path=ppt/slides/slide18.xml><?xml version="1.0" encoding="utf-8"?>
+<p:sld xmlns:a="http://schemas.openxmlformats.org/drawingml/2006/main" xmlns:r="http://schemas.openxmlformats.org/officeDocument/2006/relationships" xmlns:p="http://schemas.openxmlformats.org/presentationml/2006/main">
+  <p:cSld>
+    <p:spTree>
+      <p:nvGrpSpPr>
+        <p:cNvPr id="1" name=""/>
+        <p:cNvGrpSpPr/>
+        <p:nvPr/>
+      </p:nvGrpSpPr>
+      <p:grpSpPr>
+        <a:xfrm>
+          <a:off x="0" y="0"/>
+          <a:ext cx="0" cy="0"/>
+          <a:chOff x="0" y="0"/>
+          <a:chExt cx="0" cy="0"/>
+        </a:xfrm>
+      </p:grpSpPr>
+      <p:sp>
+        <p:nvSpPr>
+          <p:cNvPr id="2" name="1 Título"/>
+          <p:cNvSpPr>
+            <a:spLocks noGrp="1"/>
+          </p:cNvSpPr>
+          <p:nvPr>
+            <p:ph type="title"/>
+          </p:nvPr>
+        </p:nvSpPr>
+        <p:spPr/>
+        <p:txBody>
+          <a:bodyPr/>
+          <a:lstStyle/>
+          <a:p>
+            <a:endParaRPr lang="es-ES"/>
+          </a:p>
+        </p:txBody>
+      </p:sp>
+      <p:pic>
+        <p:nvPicPr>
+          <p:cNvPr id="4098" name="Picture 2"/>
+          <p:cNvPicPr>
+            <a:picLocks noGrp="1" noChangeAspect="1" noChangeArrowheads="1"/>
+          </p:cNvPicPr>
+          <p:nvPr>
+            <p:ph idx="1"/>
+          </p:nvPr>
+        </p:nvPicPr>
+        <p:blipFill>
+          <a:blip r:embed="rId2" cstate="print"/>
+          <a:srcRect/>
+          <a:stretch>
+            <a:fillRect/>
+          </a:stretch>
+        </p:blipFill>
+        <p:spPr bwMode="auto">
+          <a:xfrm>
+            <a:off x="1738312" y="3158331"/>
+            <a:ext cx="5667375" cy="1409700"/>
+          </a:xfrm>
+          <a:prstGeom prst="rect">
+            <a:avLst/>
+          </a:prstGeom>
+          <a:noFill/>
+          <a:ln w="9525">
+            <a:noFill/>
+            <a:miter lim="800000"/>
+            <a:headEnd/>
+            <a:tailEnd/>
+          </a:ln>
+        </p:spPr>
+      </p:pic>
+    </p:spTree>
+  </p:cSld>
+  <p:clrMapOvr>
+    <a:masterClrMapping/>
+  </p:clrMapOvr>
+</p:sld>
+</file>
+
 <file path=ppt/slides/slide2.xml><?xml version="1.0" encoding="utf-8"?>
 <p:sld xmlns:a="http://schemas.openxmlformats.org/drawingml/2006/main" xmlns:r="http://schemas.openxmlformats.org/officeDocument/2006/relationships" xmlns:p="http://schemas.openxmlformats.org/presentationml/2006/main">
   <p:cSld>
@@ -3210,15 +4118,7 @@
             </a:r>
             <a:r>
               <a:rPr lang="en-US" sz="2400" dirty="0" smtClean="0"/>
-              <a:t> add </a:t>
-            </a:r>
-            <a:r>
-              <a:rPr lang="en-US" sz="2400" dirty="0" smtClean="0"/>
-              <a:t>popper.js </a:t>
-            </a:r>
-            <a:r>
-              <a:rPr lang="en-US" sz="2400" dirty="0" smtClean="0"/>
-              <a:t>--save</a:t>
+              <a:t> add popper.js --save</a:t>
             </a:r>
             <a:endParaRPr lang="es-ES" sz="2400" dirty="0" smtClean="0"/>
           </a:p>
@@ -3229,19 +4129,7 @@
             </a:r>
             <a:r>
               <a:rPr lang="en-US" sz="2400" dirty="0" smtClean="0"/>
-              <a:t> add </a:t>
-            </a:r>
-            <a:r>
-              <a:rPr lang="en-US" sz="2400" dirty="0" smtClean="0"/>
-              <a:t>bootstrap </a:t>
-            </a:r>
-            <a:r>
-              <a:rPr lang="en-US" sz="2400" dirty="0" smtClean="0"/>
-              <a:t>--</a:t>
-            </a:r>
-            <a:r>
-              <a:rPr lang="en-US" sz="2400" dirty="0" smtClean="0"/>
-              <a:t>save</a:t>
+              <a:t> add bootstrap --save</a:t>
             </a:r>
           </a:p>
           <a:p>
@@ -3251,23 +4139,7 @@
             </a:r>
             <a:r>
               <a:rPr lang="en-US" sz="2400" dirty="0" smtClean="0"/>
-              <a:t> </a:t>
-            </a:r>
-            <a:r>
-              <a:rPr lang="en-US" sz="2400" dirty="0" smtClean="0"/>
-              <a:t>g c </a:t>
-            </a:r>
-            <a:r>
-              <a:rPr lang="en-US" sz="2400" dirty="0" smtClean="0"/>
-              <a:t>components/home </a:t>
-            </a:r>
-            <a:r>
-              <a:rPr lang="en-US" sz="2400" dirty="0" smtClean="0"/>
-              <a:t>--spec=false -</a:t>
-            </a:r>
-            <a:r>
-              <a:rPr lang="en-US" sz="2400" dirty="0" smtClean="0"/>
-              <a:t>is</a:t>
+              <a:t> g c components/home --spec=false -is</a:t>
             </a:r>
           </a:p>
           <a:p>
@@ -3277,23 +4149,7 @@
             </a:r>
             <a:r>
               <a:rPr lang="en-US" sz="2400" dirty="0" smtClean="0"/>
-              <a:t> </a:t>
-            </a:r>
-            <a:r>
-              <a:rPr lang="en-US" sz="2400" dirty="0" smtClean="0"/>
-              <a:t>g c </a:t>
-            </a:r>
-            <a:r>
-              <a:rPr lang="en-US" sz="2400" dirty="0" smtClean="0"/>
-              <a:t>components/search </a:t>
-            </a:r>
-            <a:r>
-              <a:rPr lang="en-US" sz="2400" dirty="0" smtClean="0"/>
-              <a:t>--spec=false </a:t>
-            </a:r>
-            <a:r>
-              <a:rPr lang="en-US" sz="2400" dirty="0" smtClean="0"/>
-              <a:t>–is</a:t>
+              <a:t> g c components/search --spec=false –is</a:t>
             </a:r>
           </a:p>
           <a:p>
@@ -3303,11 +4159,7 @@
             </a:r>
             <a:r>
               <a:rPr lang="en-US" sz="2400" dirty="0" smtClean="0"/>
-              <a:t> g c </a:t>
-            </a:r>
-            <a:r>
-              <a:rPr lang="en-US" sz="2400" dirty="0" smtClean="0"/>
-              <a:t>components/</a:t>
+              <a:t> g c components/</a:t>
             </a:r>
             <a:r>
               <a:rPr lang="en-US" sz="2400" dirty="0" err="1" smtClean="0"/>
@@ -3315,15 +4167,7 @@
             </a:r>
             <a:r>
               <a:rPr lang="en-US" sz="2400" dirty="0" smtClean="0"/>
-              <a:t> </a:t>
-            </a:r>
-            <a:r>
-              <a:rPr lang="en-US" sz="2400" dirty="0" smtClean="0"/>
-              <a:t>--spec=false </a:t>
-            </a:r>
-            <a:r>
-              <a:rPr lang="en-US" sz="2400" dirty="0" smtClean="0"/>
-              <a:t>–is</a:t>
+              <a:t> --spec=false –is</a:t>
             </a:r>
           </a:p>
           <a:p>
@@ -3333,11 +4177,7 @@
             </a:r>
             <a:r>
               <a:rPr lang="en-US" sz="2400" dirty="0" smtClean="0"/>
-              <a:t> g c </a:t>
-            </a:r>
-            <a:r>
-              <a:rPr lang="en-US" sz="2400" dirty="0" smtClean="0"/>
-              <a:t>components/shared/</a:t>
+              <a:t> g c components/shared/</a:t>
             </a:r>
             <a:r>
               <a:rPr lang="en-US" sz="2400" dirty="0" err="1" smtClean="0"/>
@@ -3345,15 +4185,7 @@
             </a:r>
             <a:r>
               <a:rPr lang="en-US" sz="2400" dirty="0" smtClean="0"/>
-              <a:t> --</a:t>
-            </a:r>
-            <a:r>
-              <a:rPr lang="en-US" sz="2400" dirty="0" smtClean="0"/>
-              <a:t>spec=false </a:t>
-            </a:r>
-            <a:r>
-              <a:rPr lang="en-US" sz="2400" dirty="0" smtClean="0"/>
-              <a:t>–is</a:t>
+              <a:t> --spec=false –is</a:t>
             </a:r>
           </a:p>
         </p:txBody>
@@ -3760,11 +4592,7 @@
           <a:p>
             <a:r>
               <a:rPr lang="en-US" dirty="0" smtClean="0"/>
-              <a:t>Client </a:t>
-            </a:r>
-            <a:r>
-              <a:rPr lang="en-US" dirty="0" smtClean="0"/>
-              <a:t>ID 16ab858ae99e4b31a663af95b6ad84c0</a:t>
+              <a:t>Client ID 16ab858ae99e4b31a663af95b6ad84c0</a:t>
             </a:r>
           </a:p>
           <a:p>
@@ -3982,6 +4810,119 @@
           </a:ln>
         </p:spPr>
       </p:pic>
+    </p:spTree>
+  </p:cSld>
+  <p:clrMapOvr>
+    <a:masterClrMapping/>
+  </p:clrMapOvr>
+</p:sld>
+</file>
+
+<file path=ppt/slides/slide9.xml><?xml version="1.0" encoding="utf-8"?>
+<p:sld xmlns:a="http://schemas.openxmlformats.org/drawingml/2006/main" xmlns:r="http://schemas.openxmlformats.org/officeDocument/2006/relationships" xmlns:p="http://schemas.openxmlformats.org/presentationml/2006/main">
+  <p:cSld>
+    <p:spTree>
+      <p:nvGrpSpPr>
+        <p:cNvPr id="1" name=""/>
+        <p:cNvGrpSpPr/>
+        <p:nvPr/>
+      </p:nvGrpSpPr>
+      <p:grpSpPr>
+        <a:xfrm>
+          <a:off x="0" y="0"/>
+          <a:ext cx="0" cy="0"/>
+          <a:chOff x="0" y="0"/>
+          <a:chExt cx="0" cy="0"/>
+        </a:xfrm>
+      </p:grpSpPr>
+      <p:sp>
+        <p:nvSpPr>
+          <p:cNvPr id="2" name="1 Título"/>
+          <p:cNvSpPr>
+            <a:spLocks noGrp="1"/>
+          </p:cNvSpPr>
+          <p:nvPr>
+            <p:ph type="title"/>
+          </p:nvPr>
+        </p:nvSpPr>
+        <p:spPr/>
+        <p:txBody>
+          <a:bodyPr/>
+          <a:lstStyle/>
+          <a:p>
+            <a:r>
+              <a:rPr lang="es-GT" dirty="0" err="1" smtClean="0"/>
+              <a:t>Search</a:t>
+            </a:r>
+            <a:endParaRPr lang="es-ES" dirty="0"/>
+          </a:p>
+        </p:txBody>
+      </p:sp>
+      <p:pic>
+        <p:nvPicPr>
+          <p:cNvPr id="1026" name="Picture 2"/>
+          <p:cNvPicPr>
+            <a:picLocks noGrp="1" noChangeAspect="1" noChangeArrowheads="1"/>
+          </p:cNvPicPr>
+          <p:nvPr>
+            <p:ph idx="1"/>
+          </p:nvPr>
+        </p:nvPicPr>
+        <p:blipFill>
+          <a:blip r:embed="rId2" cstate="print"/>
+          <a:srcRect/>
+          <a:stretch>
+            <a:fillRect/>
+          </a:stretch>
+        </p:blipFill>
+        <p:spPr bwMode="auto">
+          <a:xfrm>
+            <a:off x="1066800" y="2124869"/>
+            <a:ext cx="7010400" cy="3476625"/>
+          </a:xfrm>
+          <a:prstGeom prst="rect">
+            <a:avLst/>
+          </a:prstGeom>
+          <a:noFill/>
+          <a:ln w="9525">
+            <a:noFill/>
+            <a:miter lim="800000"/>
+            <a:headEnd/>
+            <a:tailEnd/>
+          </a:ln>
+        </p:spPr>
+      </p:pic>
+      <p:sp>
+        <p:nvSpPr>
+          <p:cNvPr id="5" name="4 Rectángulo"/>
+          <p:cNvSpPr/>
+          <p:nvPr/>
+        </p:nvSpPr>
+        <p:spPr>
+          <a:xfrm>
+            <a:off x="2339752" y="5949280"/>
+            <a:ext cx="4563557" cy="369332"/>
+          </a:xfrm>
+          <a:prstGeom prst="rect">
+            <a:avLst/>
+          </a:prstGeom>
+        </p:spPr>
+        <p:txBody>
+          <a:bodyPr wrap="none">
+            <a:spAutoFit/>
+          </a:bodyPr>
+          <a:lstStyle/>
+          <a:p>
+            <a:r>
+              <a:rPr lang="es-ES" dirty="0" smtClean="0">
+                <a:hlinkClick r:id="rId3"/>
+              </a:rPr>
+              <a:t>https://developer.spotify.com/console/search/</a:t>
+            </a:r>
+            <a:endParaRPr lang="es-ES" dirty="0"/>
+          </a:p>
+        </p:txBody>
+      </p:sp>
     </p:spTree>
   </p:cSld>
   <p:clrMapOvr>
